--- a/PCA-K-Means.pptx
+++ b/PCA-K-Means.pptx
@@ -5791,7 +5791,7 @@
         </p:nvSpPr>
         <p:spPr>
           <a:xfrm>
-            <a:off x="138902" y="4001559"/>
+            <a:off x="138902" y="3824111"/>
             <a:ext cx="8721092" cy="1798108"/>
           </a:xfrm>
         </p:spPr>
@@ -5821,6 +5821,12 @@
             <a:r>
               <a:rPr lang="en-US" sz="2400" dirty="0" smtClean="0"/>
               <a:t>ão</a:t>
+            </a:r>
+          </a:p>
+          <a:p>
+            <a:r>
+              <a:rPr lang="en-US" sz="2400" dirty="0" err="1" smtClean="0"/>
+              <a:t>https://marcio-mourao.github.io</a:t>
             </a:r>
             <a:endParaRPr lang="en-US" sz="2400" dirty="0" smtClean="0"/>
           </a:p>
@@ -5864,6 +5870,13 @@
   <p:clrMapOvr>
     <a:masterClrMapping/>
   </p:clrMapOvr>
+  <p:timing>
+    <p:tnLst>
+      <p:par>
+        <p:cTn id="1" dur="indefinite" restart="never" nodeType="tmRoot"/>
+      </p:par>
+    </p:tnLst>
+  </p:timing>
 </p:sld>
 </file>
 
@@ -9313,6 +9326,13 @@
   <p:clrMapOvr>
     <a:masterClrMapping/>
   </p:clrMapOvr>
+  <p:timing>
+    <p:tnLst>
+      <p:par>
+        <p:cTn id="1" dur="indefinite" restart="never" nodeType="tmRoot"/>
+      </p:par>
+    </p:tnLst>
+  </p:timing>
 </p:sld>
 </file>
 
@@ -19962,6 +19982,13 @@
   <p:clrMapOvr>
     <a:masterClrMapping/>
   </p:clrMapOvr>
+  <p:timing>
+    <p:tnLst>
+      <p:par>
+        <p:cTn id="1" dur="indefinite" restart="never" nodeType="tmRoot"/>
+      </p:par>
+    </p:tnLst>
+  </p:timing>
 </p:sld>
 </file>
 
